--- a/Xinformatics2018_Assignment3.pptx
+++ b/Xinformatics2018_Assignment3.pptx
@@ -11,8 +11,7 @@
     <p:sldId id="260" r:id="rId5"/>
     <p:sldId id="261" r:id="rId6"/>
     <p:sldId id="262" r:id="rId7"/>
-    <p:sldId id="257" r:id="rId8"/>
-    <p:sldId id="263" r:id="rId9"/>
+    <p:sldId id="263" r:id="rId8"/>
   </p:sldIdLst>
   <p:sldSz cx="12192000" cy="6858000"/>
   <p:notesSz cx="6858000" cy="9144000"/>
@@ -7361,165 +7360,6 @@
           <a:chExt cx="0" cy="0"/>
         </a:xfrm>
       </p:grpSpPr>
-      <p:pic>
-        <p:nvPicPr>
-          <p:cNvPr id="4" name="Picture 3"/>
-          <p:cNvPicPr>
-            <a:picLocks noChangeAspect="1"/>
-          </p:cNvPicPr>
-          <p:nvPr/>
-        </p:nvPicPr>
-        <p:blipFill>
-          <a:blip r:embed="rId2" cstate="print">
-            <a:extLst>
-              <a:ext uri="{28A0092B-C50C-407E-A947-70E740481C1C}">
-                <a14:useLocalDpi xmlns:a14="http://schemas.microsoft.com/office/drawing/2010/main" val="0"/>
-              </a:ext>
-            </a:extLst>
-          </a:blip>
-          <a:stretch>
-            <a:fillRect/>
-          </a:stretch>
-        </p:blipFill>
-        <p:spPr>
-          <a:xfrm>
-            <a:off x="4909184" y="2308860"/>
-            <a:ext cx="2611755" cy="2482380"/>
-          </a:xfrm>
-          <a:prstGeom prst="rect">
-            <a:avLst/>
-          </a:prstGeom>
-        </p:spPr>
-      </p:pic>
-      <p:pic>
-        <p:nvPicPr>
-          <p:cNvPr id="5" name="Picture 4"/>
-          <p:cNvPicPr>
-            <a:picLocks noChangeAspect="1"/>
-          </p:cNvPicPr>
-          <p:nvPr/>
-        </p:nvPicPr>
-        <p:blipFill>
-          <a:blip r:embed="rId3">
-            <a:extLst>
-              <a:ext uri="{28A0092B-C50C-407E-A947-70E740481C1C}">
-                <a14:useLocalDpi xmlns:a14="http://schemas.microsoft.com/office/drawing/2010/main" val="0"/>
-              </a:ext>
-            </a:extLst>
-          </a:blip>
-          <a:stretch>
-            <a:fillRect/>
-          </a:stretch>
-        </p:blipFill>
-        <p:spPr>
-          <a:xfrm>
-            <a:off x="8629155" y="2265997"/>
-            <a:ext cx="3052305" cy="2578077"/>
-          </a:xfrm>
-          <a:prstGeom prst="rect">
-            <a:avLst/>
-          </a:prstGeom>
-        </p:spPr>
-      </p:pic>
-      <p:pic>
-        <p:nvPicPr>
-          <p:cNvPr id="6" name="Picture 5"/>
-          <p:cNvPicPr>
-            <a:picLocks noChangeAspect="1"/>
-          </p:cNvPicPr>
-          <p:nvPr/>
-        </p:nvPicPr>
-        <p:blipFill>
-          <a:blip r:embed="rId4">
-            <a:extLst>
-              <a:ext uri="{28A0092B-C50C-407E-A947-70E740481C1C}">
-                <a14:useLocalDpi xmlns:a14="http://schemas.microsoft.com/office/drawing/2010/main" val="0"/>
-              </a:ext>
-            </a:extLst>
-          </a:blip>
-          <a:stretch>
-            <a:fillRect/>
-          </a:stretch>
-        </p:blipFill>
-        <p:spPr>
-          <a:xfrm>
-            <a:off x="485737" y="2265997"/>
-            <a:ext cx="3362325" cy="2486025"/>
-          </a:xfrm>
-          <a:prstGeom prst="rect">
-            <a:avLst/>
-          </a:prstGeom>
-        </p:spPr>
-      </p:pic>
-      <p:sp>
-        <p:nvSpPr>
-          <p:cNvPr id="2" name="TextBox 1"/>
-          <p:cNvSpPr txBox="1"/>
-          <p:nvPr/>
-        </p:nvSpPr>
-        <p:spPr>
-          <a:xfrm>
-            <a:off x="3211830" y="5292090"/>
-            <a:ext cx="5583555" cy="369332"/>
-          </a:xfrm>
-          <a:prstGeom prst="rect">
-            <a:avLst/>
-          </a:prstGeom>
-          <a:noFill/>
-        </p:spPr>
-        <p:txBody>
-          <a:bodyPr wrap="square" rtlCol="0">
-            <a:spAutoFit/>
-          </a:bodyPr>
-          <a:lstStyle/>
-          <a:p>
-            <a:pPr algn="ctr"/>
-            <a:r>
-              <a:rPr lang="en-US" b="1" dirty="0" smtClean="0"/>
-              <a:t>    </a:t>
-            </a:r>
-            <a:r>
-              <a:rPr lang="en-US" b="1" dirty="0" err="1" smtClean="0"/>
-              <a:t>Punny</a:t>
-            </a:r>
-            <a:r>
-              <a:rPr lang="en-US" b="1" dirty="0" smtClean="0"/>
-              <a:t> signs from an authority in India.</a:t>
-            </a:r>
-            <a:endParaRPr lang="en-US" b="1" dirty="0"/>
-          </a:p>
-        </p:txBody>
-      </p:sp>
-    </p:spTree>
-    <p:extLst>
-      <p:ext uri="{BB962C8B-B14F-4D97-AF65-F5344CB8AC3E}">
-        <p14:creationId xmlns:p14="http://schemas.microsoft.com/office/powerpoint/2010/main" val="2701619314"/>
-      </p:ext>
-    </p:extLst>
-  </p:cSld>
-  <p:clrMapOvr>
-    <a:masterClrMapping/>
-  </p:clrMapOvr>
-</p:sld>
-</file>
-
-<file path=ppt/slides/slide8.xml><?xml version="1.0" encoding="utf-8"?>
-<p:sld xmlns:a="http://schemas.openxmlformats.org/drawingml/2006/main" xmlns:r="http://schemas.openxmlformats.org/officeDocument/2006/relationships" xmlns:p="http://schemas.openxmlformats.org/presentationml/2006/main">
-  <p:cSld>
-    <p:spTree>
-      <p:nvGrpSpPr>
-        <p:cNvPr id="1" name=""/>
-        <p:cNvGrpSpPr/>
-        <p:nvPr/>
-      </p:nvGrpSpPr>
-      <p:grpSpPr>
-        <a:xfrm>
-          <a:off x="0" y="0"/>
-          <a:ext cx="0" cy="0"/>
-          <a:chOff x="0" y="0"/>
-          <a:chExt cx="0" cy="0"/>
-        </a:xfrm>
-      </p:grpSpPr>
       <p:sp>
         <p:nvSpPr>
           <p:cNvPr id="7" name="TextBox 6"/>
